--- a/#8_0624/WEBデザイン1_評価課題.pptx
+++ b/#8_0624/WEBデザイン1_評価課題.pptx
@@ -5,10 +5,10 @@
     <p:sldMasterId id="2147483696" r:id="rId1"/>
   </p:sldMasterIdLst>
   <p:notesMasterIdLst>
-    <p:notesMasterId r:id="rId11"/>
+    <p:notesMasterId r:id="rId14"/>
   </p:notesMasterIdLst>
   <p:handoutMasterIdLst>
-    <p:handoutMasterId r:id="rId12"/>
+    <p:handoutMasterId r:id="rId15"/>
   </p:handoutMasterIdLst>
   <p:sldIdLst>
     <p:sldId id="256" r:id="rId2"/>
@@ -20,6 +20,9 @@
     <p:sldId id="262" r:id="rId8"/>
     <p:sldId id="263" r:id="rId9"/>
     <p:sldId id="264" r:id="rId10"/>
+    <p:sldId id="265" r:id="rId11"/>
+    <p:sldId id="266" r:id="rId12"/>
+    <p:sldId id="267" r:id="rId13"/>
   </p:sldIdLst>
   <p:sldSz cx="12192000" cy="6858000"/>
   <p:notesSz cx="6797675" cy="9926638"/>
@@ -132,6 +135,9 @@
             <p14:sldId id="262"/>
             <p14:sldId id="263"/>
             <p14:sldId id="264"/>
+            <p14:sldId id="265"/>
+            <p14:sldId id="266"/>
+            <p14:sldId id="267"/>
           </p14:sldIdLst>
         </p14:section>
         <p14:section name="タイトルなしのセクション" id="{04E90DF9-7D7E-441F-9EE3-43946CADB3F2}">
@@ -7889,6 +7895,600 @@
 </p:sld>
 </file>
 
+<file path=ppt/slides/slide10.xml><?xml version="1.0" encoding="utf-8"?>
+<p:sld xmlns:a="http://schemas.openxmlformats.org/drawingml/2006/main" xmlns:r="http://schemas.openxmlformats.org/officeDocument/2006/relationships" xmlns:p="http://schemas.openxmlformats.org/presentationml/2006/main">
+  <p:cSld>
+    <p:spTree>
+      <p:nvGrpSpPr>
+        <p:cNvPr id="1" name=""/>
+        <p:cNvGrpSpPr/>
+        <p:nvPr/>
+      </p:nvGrpSpPr>
+      <p:grpSpPr>
+        <a:xfrm>
+          <a:off x="0" y="0"/>
+          <a:ext cx="0" cy="0"/>
+          <a:chOff x="0" y="0"/>
+          <a:chExt cx="0" cy="0"/>
+        </a:xfrm>
+      </p:grpSpPr>
+      <p:sp>
+        <p:nvSpPr>
+          <p:cNvPr id="2" name="タイトル 1"/>
+          <p:cNvSpPr>
+            <a:spLocks noGrp="1"/>
+          </p:cNvSpPr>
+          <p:nvPr>
+            <p:ph type="title"/>
+          </p:nvPr>
+        </p:nvSpPr>
+        <p:spPr/>
+        <p:txBody>
+          <a:bodyPr/>
+          <a:lstStyle/>
+          <a:p>
+            <a:r>
+              <a:rPr kumimoji="1" lang="en-US" altLang="ja-JP" dirty="0" smtClean="0"/>
+              <a:t>Google</a:t>
+            </a:r>
+            <a:r>
+              <a:rPr kumimoji="1" lang="ja-JP" altLang="en-US" dirty="0" smtClean="0"/>
+              <a:t> </a:t>
+            </a:r>
+            <a:r>
+              <a:rPr kumimoji="1" lang="en-US" altLang="ja-JP" dirty="0" smtClean="0"/>
+              <a:t>Fonts</a:t>
+            </a:r>
+            <a:r>
+              <a:rPr kumimoji="1" lang="ja-JP" altLang="en-US" dirty="0" smtClean="0"/>
+              <a:t>の使い方</a:t>
+            </a:r>
+            <a:endParaRPr kumimoji="1" lang="ja-JP" altLang="en-US" dirty="0"/>
+          </a:p>
+        </p:txBody>
+      </p:sp>
+      <p:pic>
+        <p:nvPicPr>
+          <p:cNvPr id="6" name="コンテンツ プレースホルダー 5" descr="画面の領域"/>
+          <p:cNvPicPr>
+            <a:picLocks noGrp="1" noChangeAspect="1"/>
+          </p:cNvPicPr>
+          <p:nvPr>
+            <p:ph sz="quarter" idx="13"/>
+          </p:nvPr>
+        </p:nvPicPr>
+        <p:blipFill>
+          <a:blip r:embed="rId2">
+            <a:extLst>
+              <a:ext uri="{28A0092B-C50C-407E-A947-70E740481C1C}">
+                <a14:useLocalDpi xmlns:a14="http://schemas.microsoft.com/office/drawing/2010/main" val="0"/>
+              </a:ext>
+            </a:extLst>
+          </a:blip>
+          <a:stretch>
+            <a:fillRect/>
+          </a:stretch>
+        </p:blipFill>
+        <p:spPr>
+          <a:xfrm>
+            <a:off x="4359698" y="1616075"/>
+            <a:ext cx="6918528" cy="4267200"/>
+          </a:xfrm>
+        </p:spPr>
+      </p:pic>
+      <p:sp>
+        <p:nvSpPr>
+          <p:cNvPr id="4" name="日付プレースホルダー 3"/>
+          <p:cNvSpPr>
+            <a:spLocks noGrp="1"/>
+          </p:cNvSpPr>
+          <p:nvPr>
+            <p:ph type="dt" sz="half" idx="10"/>
+          </p:nvPr>
+        </p:nvSpPr>
+        <p:spPr/>
+        <p:txBody>
+          <a:bodyPr/>
+          <a:lstStyle/>
+          <a:p>
+            <a:fld id="{1CF75602-68AE-49B7-B81D-03C096B04F43}" type="datetime1">
+              <a:rPr kumimoji="1" lang="ja-JP" altLang="en-US" smtClean="0"/>
+              <a:t>2021/8/2</a:t>
+            </a:fld>
+            <a:endParaRPr kumimoji="1" lang="ja-JP" altLang="en-US"/>
+          </a:p>
+        </p:txBody>
+      </p:sp>
+      <p:sp>
+        <p:nvSpPr>
+          <p:cNvPr id="5" name="スライド番号プレースホルダー 4"/>
+          <p:cNvSpPr>
+            <a:spLocks noGrp="1"/>
+          </p:cNvSpPr>
+          <p:nvPr>
+            <p:ph type="sldNum" sz="quarter" idx="12"/>
+          </p:nvPr>
+        </p:nvSpPr>
+        <p:spPr/>
+        <p:txBody>
+          <a:bodyPr/>
+          <a:lstStyle/>
+          <a:p>
+            <a:fld id="{92F6805F-EC71-4205-8EA7-B9DDB2B61B3E}" type="slidenum">
+              <a:rPr kumimoji="1" lang="ja-JP" altLang="en-US" smtClean="0"/>
+              <a:t>10</a:t>
+            </a:fld>
+            <a:endParaRPr kumimoji="1" lang="ja-JP" altLang="en-US"/>
+          </a:p>
+        </p:txBody>
+      </p:sp>
+    </p:spTree>
+    <p:extLst>
+      <p:ext uri="{BB962C8B-B14F-4D97-AF65-F5344CB8AC3E}">
+        <p14:creationId xmlns:p14="http://schemas.microsoft.com/office/powerpoint/2010/main" val="2392483898"/>
+      </p:ext>
+    </p:extLst>
+  </p:cSld>
+  <p:clrMapOvr>
+    <a:masterClrMapping/>
+  </p:clrMapOvr>
+</p:sld>
+</file>
+
+<file path=ppt/slides/slide11.xml><?xml version="1.0" encoding="utf-8"?>
+<p:sld xmlns:a="http://schemas.openxmlformats.org/drawingml/2006/main" xmlns:r="http://schemas.openxmlformats.org/officeDocument/2006/relationships" xmlns:p="http://schemas.openxmlformats.org/presentationml/2006/main">
+  <p:cSld>
+    <p:spTree>
+      <p:nvGrpSpPr>
+        <p:cNvPr id="1" name=""/>
+        <p:cNvGrpSpPr/>
+        <p:nvPr/>
+      </p:nvGrpSpPr>
+      <p:grpSpPr>
+        <a:xfrm>
+          <a:off x="0" y="0"/>
+          <a:ext cx="0" cy="0"/>
+          <a:chOff x="0" y="0"/>
+          <a:chExt cx="0" cy="0"/>
+        </a:xfrm>
+      </p:grpSpPr>
+      <p:sp>
+        <p:nvSpPr>
+          <p:cNvPr id="2" name="タイトル 1"/>
+          <p:cNvSpPr>
+            <a:spLocks noGrp="1"/>
+          </p:cNvSpPr>
+          <p:nvPr>
+            <p:ph type="title"/>
+          </p:nvPr>
+        </p:nvSpPr>
+        <p:spPr/>
+        <p:txBody>
+          <a:bodyPr/>
+          <a:lstStyle/>
+          <a:p>
+            <a:r>
+              <a:rPr kumimoji="1" lang="en-US" altLang="ja-JP" dirty="0" smtClean="0"/>
+              <a:t>Google</a:t>
+            </a:r>
+            <a:r>
+              <a:rPr kumimoji="1" lang="ja-JP" altLang="en-US" dirty="0" smtClean="0"/>
+              <a:t> </a:t>
+            </a:r>
+            <a:r>
+              <a:rPr kumimoji="1" lang="en-US" altLang="ja-JP" dirty="0" smtClean="0"/>
+              <a:t>fonts</a:t>
+            </a:r>
+            <a:r>
+              <a:rPr kumimoji="1" lang="ja-JP" altLang="en-US" dirty="0" smtClean="0"/>
+              <a:t>の使い方（２）</a:t>
+            </a:r>
+            <a:endParaRPr kumimoji="1" lang="ja-JP" altLang="en-US" dirty="0"/>
+          </a:p>
+        </p:txBody>
+      </p:sp>
+      <p:pic>
+        <p:nvPicPr>
+          <p:cNvPr id="6" name="コンテンツ プレースホルダー 5" descr="画面の領域"/>
+          <p:cNvPicPr>
+            <a:picLocks noGrp="1" noChangeAspect="1"/>
+          </p:cNvPicPr>
+          <p:nvPr>
+            <p:ph sz="quarter" idx="13"/>
+          </p:nvPr>
+        </p:nvPicPr>
+        <p:blipFill>
+          <a:blip r:embed="rId2">
+            <a:extLst>
+              <a:ext uri="{28A0092B-C50C-407E-A947-70E740481C1C}">
+                <a14:useLocalDpi xmlns:a14="http://schemas.microsoft.com/office/drawing/2010/main" val="0"/>
+              </a:ext>
+            </a:extLst>
+          </a:blip>
+          <a:stretch>
+            <a:fillRect/>
+          </a:stretch>
+        </p:blipFill>
+        <p:spPr>
+          <a:xfrm>
+            <a:off x="9401834" y="1616075"/>
+            <a:ext cx="1876392" cy="4267200"/>
+          </a:xfrm>
+        </p:spPr>
+      </p:pic>
+      <p:sp>
+        <p:nvSpPr>
+          <p:cNvPr id="4" name="日付プレースホルダー 3"/>
+          <p:cNvSpPr>
+            <a:spLocks noGrp="1"/>
+          </p:cNvSpPr>
+          <p:nvPr>
+            <p:ph type="dt" sz="half" idx="10"/>
+          </p:nvPr>
+        </p:nvSpPr>
+        <p:spPr/>
+        <p:txBody>
+          <a:bodyPr/>
+          <a:lstStyle/>
+          <a:p>
+            <a:fld id="{1CF75602-68AE-49B7-B81D-03C096B04F43}" type="datetime1">
+              <a:rPr kumimoji="1" lang="ja-JP" altLang="en-US" smtClean="0"/>
+              <a:t>2021/8/2</a:t>
+            </a:fld>
+            <a:endParaRPr kumimoji="1" lang="ja-JP" altLang="en-US"/>
+          </a:p>
+        </p:txBody>
+      </p:sp>
+      <p:sp>
+        <p:nvSpPr>
+          <p:cNvPr id="5" name="スライド番号プレースホルダー 4"/>
+          <p:cNvSpPr>
+            <a:spLocks noGrp="1"/>
+          </p:cNvSpPr>
+          <p:nvPr>
+            <p:ph type="sldNum" sz="quarter" idx="12"/>
+          </p:nvPr>
+        </p:nvSpPr>
+        <p:spPr/>
+        <p:txBody>
+          <a:bodyPr/>
+          <a:lstStyle/>
+          <a:p>
+            <a:fld id="{92F6805F-EC71-4205-8EA7-B9DDB2B61B3E}" type="slidenum">
+              <a:rPr kumimoji="1" lang="ja-JP" altLang="en-US" smtClean="0"/>
+              <a:t>11</a:t>
+            </a:fld>
+            <a:endParaRPr kumimoji="1" lang="ja-JP" altLang="en-US"/>
+          </a:p>
+        </p:txBody>
+      </p:sp>
+      <p:sp>
+        <p:nvSpPr>
+          <p:cNvPr id="7" name="テキスト プレースホルダー 6"/>
+          <p:cNvSpPr>
+            <a:spLocks noGrp="1"/>
+          </p:cNvSpPr>
+          <p:nvPr>
+            <p:ph type="body" idx="4294967295"/>
+          </p:nvPr>
+        </p:nvSpPr>
+        <p:spPr>
+          <a:xfrm>
+            <a:off x="913775" y="1545095"/>
+            <a:ext cx="8260705" cy="4246105"/>
+          </a:xfrm>
+        </p:spPr>
+        <p:txBody>
+          <a:bodyPr/>
+          <a:lstStyle/>
+          <a:p>
+            <a:r>
+              <a:rPr kumimoji="1" lang="ja-JP" altLang="en-US" dirty="0" smtClean="0"/>
+              <a:t>使用するフォントを選択すると、画面の右側にフォントを選択した画面が表示される</a:t>
+            </a:r>
+            <a:endParaRPr kumimoji="1" lang="en-US" altLang="ja-JP" dirty="0" smtClean="0"/>
+          </a:p>
+          <a:p>
+            <a:r>
+              <a:rPr lang="en-US" altLang="ja-JP" dirty="0" smtClean="0"/>
+              <a:t>link</a:t>
+            </a:r>
+            <a:r>
+              <a:rPr lang="ja-JP" altLang="en-US" dirty="0" smtClean="0"/>
+              <a:t>タグで示される部分をコピーして、</a:t>
+            </a:r>
+            <a:r>
+              <a:rPr lang="en-US" altLang="ja-JP" dirty="0" smtClean="0"/>
+              <a:t>HTML</a:t>
+            </a:r>
+            <a:r>
+              <a:rPr lang="ja-JP" altLang="en-US" dirty="0" smtClean="0"/>
+              <a:t>に張り付けることで、フォントが使用できるようになる。</a:t>
+            </a:r>
+            <a:endParaRPr lang="en-US" altLang="ja-JP" dirty="0" smtClean="0"/>
+          </a:p>
+          <a:p>
+            <a:endParaRPr kumimoji="1" lang="en-US" altLang="ja-JP" dirty="0"/>
+          </a:p>
+          <a:p>
+            <a:r>
+              <a:rPr lang="ja-JP" altLang="en-US" dirty="0" smtClean="0"/>
+              <a:t>フォントの使い方は下段を参照</a:t>
+            </a:r>
+            <a:endParaRPr lang="en-US" altLang="ja-JP" dirty="0" smtClean="0"/>
+          </a:p>
+        </p:txBody>
+      </p:sp>
+      <p:sp>
+        <p:nvSpPr>
+          <p:cNvPr id="8" name="角丸四角形 7"/>
+          <p:cNvSpPr/>
+          <p:nvPr/>
+        </p:nvSpPr>
+        <p:spPr>
+          <a:xfrm>
+            <a:off x="9601200" y="3779520"/>
+            <a:ext cx="1574800" cy="1158240"/>
+          </a:xfrm>
+          <a:prstGeom prst="roundRect">
+            <a:avLst/>
+          </a:prstGeom>
+          <a:noFill/>
+          <a:ln w="76200">
+            <a:solidFill>
+              <a:srgbClr val="FF0000"/>
+            </a:solidFill>
+          </a:ln>
+        </p:spPr>
+        <p:style>
+          <a:lnRef idx="2">
+            <a:schemeClr val="accent1">
+              <a:shade val="50000"/>
+            </a:schemeClr>
+          </a:lnRef>
+          <a:fillRef idx="1">
+            <a:schemeClr val="accent1"/>
+          </a:fillRef>
+          <a:effectRef idx="0">
+            <a:schemeClr val="accent1"/>
+          </a:effectRef>
+          <a:fontRef idx="minor">
+            <a:schemeClr val="lt1"/>
+          </a:fontRef>
+        </p:style>
+        <p:txBody>
+          <a:bodyPr rtlCol="0" anchor="ctr"/>
+          <a:lstStyle/>
+          <a:p>
+            <a:pPr algn="ctr"/>
+            <a:endParaRPr kumimoji="1" lang="ja-JP" altLang="en-US"/>
+          </a:p>
+        </p:txBody>
+      </p:sp>
+      <p:sp>
+        <p:nvSpPr>
+          <p:cNvPr id="9" name="右矢印 8"/>
+          <p:cNvSpPr/>
+          <p:nvPr/>
+        </p:nvSpPr>
+        <p:spPr>
+          <a:xfrm>
+            <a:off x="8351520" y="5425440"/>
+            <a:ext cx="1229360" cy="457835"/>
+          </a:xfrm>
+          <a:prstGeom prst="rightArrow">
+            <a:avLst/>
+          </a:prstGeom>
+        </p:spPr>
+        <p:style>
+          <a:lnRef idx="2">
+            <a:schemeClr val="accent1">
+              <a:shade val="50000"/>
+            </a:schemeClr>
+          </a:lnRef>
+          <a:fillRef idx="1">
+            <a:schemeClr val="accent1"/>
+          </a:fillRef>
+          <a:effectRef idx="0">
+            <a:schemeClr val="accent1"/>
+          </a:effectRef>
+          <a:fontRef idx="minor">
+            <a:schemeClr val="lt1"/>
+          </a:fontRef>
+        </p:style>
+        <p:txBody>
+          <a:bodyPr rtlCol="0" anchor="ctr"/>
+          <a:lstStyle/>
+          <a:p>
+            <a:pPr algn="ctr"/>
+            <a:endParaRPr kumimoji="1" lang="ja-JP" altLang="en-US"/>
+          </a:p>
+        </p:txBody>
+      </p:sp>
+      <p:sp>
+        <p:nvSpPr>
+          <p:cNvPr id="10" name="テキスト ボックス 9"/>
+          <p:cNvSpPr txBox="1"/>
+          <p:nvPr/>
+        </p:nvSpPr>
+        <p:spPr>
+          <a:xfrm>
+            <a:off x="6212046" y="5236944"/>
+            <a:ext cx="2286000" cy="646331"/>
+          </a:xfrm>
+          <a:prstGeom prst="rect">
+            <a:avLst/>
+          </a:prstGeom>
+          <a:noFill/>
+        </p:spPr>
+        <p:txBody>
+          <a:bodyPr wrap="square" rtlCol="0">
+            <a:spAutoFit/>
+          </a:bodyPr>
+          <a:lstStyle/>
+          <a:p>
+            <a:r>
+              <a:rPr kumimoji="1" lang="ja-JP" altLang="en-US" dirty="0" smtClean="0"/>
+              <a:t>フォント設定を</a:t>
+            </a:r>
+            <a:r>
+              <a:rPr kumimoji="1" lang="en-US" altLang="ja-JP" dirty="0" smtClean="0"/>
+              <a:t>CSS</a:t>
+            </a:r>
+            <a:r>
+              <a:rPr kumimoji="1" lang="ja-JP" altLang="en-US" dirty="0" smtClean="0"/>
+              <a:t>に書く時の書き方</a:t>
+            </a:r>
+            <a:endParaRPr kumimoji="1" lang="ja-JP" altLang="en-US" dirty="0"/>
+          </a:p>
+        </p:txBody>
+      </p:sp>
+    </p:spTree>
+    <p:extLst>
+      <p:ext uri="{BB962C8B-B14F-4D97-AF65-F5344CB8AC3E}">
+        <p14:creationId xmlns:p14="http://schemas.microsoft.com/office/powerpoint/2010/main" val="1906857170"/>
+      </p:ext>
+    </p:extLst>
+  </p:cSld>
+  <p:clrMapOvr>
+    <a:masterClrMapping/>
+  </p:clrMapOvr>
+</p:sld>
+</file>
+
+<file path=ppt/slides/slide12.xml><?xml version="1.0" encoding="utf-8"?>
+<p:sld xmlns:a="http://schemas.openxmlformats.org/drawingml/2006/main" xmlns:r="http://schemas.openxmlformats.org/officeDocument/2006/relationships" xmlns:p="http://schemas.openxmlformats.org/presentationml/2006/main">
+  <p:cSld>
+    <p:spTree>
+      <p:nvGrpSpPr>
+        <p:cNvPr id="1" name=""/>
+        <p:cNvGrpSpPr/>
+        <p:nvPr/>
+      </p:nvGrpSpPr>
+      <p:grpSpPr>
+        <a:xfrm>
+          <a:off x="0" y="0"/>
+          <a:ext cx="0" cy="0"/>
+          <a:chOff x="0" y="0"/>
+          <a:chExt cx="0" cy="0"/>
+        </a:xfrm>
+      </p:grpSpPr>
+      <p:sp>
+        <p:nvSpPr>
+          <p:cNvPr id="2" name="タイトル 1"/>
+          <p:cNvSpPr>
+            <a:spLocks noGrp="1"/>
+          </p:cNvSpPr>
+          <p:nvPr>
+            <p:ph type="title"/>
+          </p:nvPr>
+        </p:nvSpPr>
+        <p:spPr/>
+        <p:txBody>
+          <a:bodyPr/>
+          <a:lstStyle/>
+          <a:p>
+            <a:r>
+              <a:rPr kumimoji="1" lang="ja-JP" altLang="en-US" dirty="0" smtClean="0"/>
+              <a:t>画面の切り替え</a:t>
+            </a:r>
+            <a:endParaRPr kumimoji="1" lang="ja-JP" altLang="en-US" dirty="0"/>
+          </a:p>
+        </p:txBody>
+      </p:sp>
+      <p:sp>
+        <p:nvSpPr>
+          <p:cNvPr id="3" name="コンテンツ プレースホルダー 2"/>
+          <p:cNvSpPr>
+            <a:spLocks noGrp="1"/>
+          </p:cNvSpPr>
+          <p:nvPr>
+            <p:ph sz="quarter" idx="13"/>
+          </p:nvPr>
+        </p:nvSpPr>
+        <p:spPr/>
+        <p:txBody>
+          <a:bodyPr/>
+          <a:lstStyle/>
+          <a:p>
+            <a:r>
+              <a:rPr kumimoji="1" lang="ja-JP" altLang="en-US" dirty="0" smtClean="0"/>
+              <a:t>画面の切り替えのために、</a:t>
+            </a:r>
+            <a:r>
+              <a:rPr kumimoji="1" lang="en-US" altLang="ja-JP" dirty="0" smtClean="0"/>
+              <a:t>jQuery</a:t>
+            </a:r>
+            <a:r>
+              <a:rPr kumimoji="1" lang="ja-JP" altLang="en-US" dirty="0" smtClean="0"/>
+              <a:t>を使用する</a:t>
+            </a:r>
+            <a:endParaRPr kumimoji="1" lang="en-US" altLang="ja-JP" dirty="0" smtClean="0"/>
+          </a:p>
+          <a:p>
+            <a:endParaRPr kumimoji="1" lang="ja-JP" altLang="en-US" dirty="0"/>
+          </a:p>
+        </p:txBody>
+      </p:sp>
+      <p:sp>
+        <p:nvSpPr>
+          <p:cNvPr id="4" name="日付プレースホルダー 3"/>
+          <p:cNvSpPr>
+            <a:spLocks noGrp="1"/>
+          </p:cNvSpPr>
+          <p:nvPr>
+            <p:ph type="dt" sz="half" idx="10"/>
+          </p:nvPr>
+        </p:nvSpPr>
+        <p:spPr/>
+        <p:txBody>
+          <a:bodyPr/>
+          <a:lstStyle/>
+          <a:p>
+            <a:fld id="{1CF75602-68AE-49B7-B81D-03C096B04F43}" type="datetime1">
+              <a:rPr kumimoji="1" lang="ja-JP" altLang="en-US" smtClean="0"/>
+              <a:t>2021/8/2</a:t>
+            </a:fld>
+            <a:endParaRPr kumimoji="1" lang="ja-JP" altLang="en-US"/>
+          </a:p>
+        </p:txBody>
+      </p:sp>
+      <p:sp>
+        <p:nvSpPr>
+          <p:cNvPr id="5" name="スライド番号プレースホルダー 4"/>
+          <p:cNvSpPr>
+            <a:spLocks noGrp="1"/>
+          </p:cNvSpPr>
+          <p:nvPr>
+            <p:ph type="sldNum" sz="quarter" idx="12"/>
+          </p:nvPr>
+        </p:nvSpPr>
+        <p:spPr/>
+        <p:txBody>
+          <a:bodyPr/>
+          <a:lstStyle/>
+          <a:p>
+            <a:fld id="{92F6805F-EC71-4205-8EA7-B9DDB2B61B3E}" type="slidenum">
+              <a:rPr kumimoji="1" lang="ja-JP" altLang="en-US" smtClean="0"/>
+              <a:t>12</a:t>
+            </a:fld>
+            <a:endParaRPr kumimoji="1" lang="ja-JP" altLang="en-US"/>
+          </a:p>
+        </p:txBody>
+      </p:sp>
+    </p:spTree>
+    <p:extLst>
+      <p:ext uri="{BB962C8B-B14F-4D97-AF65-F5344CB8AC3E}">
+        <p14:creationId xmlns:p14="http://schemas.microsoft.com/office/powerpoint/2010/main" val="2523523302"/>
+      </p:ext>
+    </p:extLst>
+  </p:cSld>
+  <p:clrMapOvr>
+    <a:masterClrMapping/>
+  </p:clrMapOvr>
+</p:sld>
+</file>
+
 <file path=ppt/slides/slide2.xml><?xml version="1.0" encoding="utf-8"?>
 <p:sld xmlns:a="http://schemas.openxmlformats.org/drawingml/2006/main" xmlns:r="http://schemas.openxmlformats.org/officeDocument/2006/relationships" xmlns:p="http://schemas.openxmlformats.org/presentationml/2006/main">
   <p:cSld>
@@ -9410,9 +10010,89 @@
             </a:br>
             <a:r>
               <a:rPr kumimoji="1" lang="ja-JP" altLang="en-US" dirty="0" smtClean="0"/>
-              <a:t>正確には、インストールされているフォントの種類が異なる。</a:t>
-            </a:r>
-            <a:endParaRPr kumimoji="1" lang="ja-JP" altLang="en-US" dirty="0"/>
+              <a:t>正確には、インストールされているフォントの種類が異なる</a:t>
+            </a:r>
+            <a:r>
+              <a:rPr kumimoji="1" lang="ja-JP" altLang="en-US" dirty="0" smtClean="0"/>
+              <a:t>。</a:t>
+            </a:r>
+            <a:r>
+              <a:rPr kumimoji="1" lang="en-US" altLang="ja-JP" dirty="0" smtClean="0"/>
+              <a:t/>
+            </a:r>
+            <a:br>
+              <a:rPr kumimoji="1" lang="en-US" altLang="ja-JP" dirty="0" smtClean="0"/>
+            </a:br>
+            <a:r>
+              <a:rPr kumimoji="1" lang="ja-JP" altLang="en-US" dirty="0" smtClean="0"/>
+              <a:t>このため、ある特定のフォントを想定した</a:t>
+            </a:r>
+            <a:r>
+              <a:rPr kumimoji="1" lang="en-US" altLang="ja-JP" dirty="0" smtClean="0"/>
+              <a:t>WEB</a:t>
+            </a:r>
+            <a:r>
+              <a:rPr kumimoji="1" lang="ja-JP" altLang="en-US" dirty="0" smtClean="0"/>
+              <a:t>ページは同一表示とならないことがある。</a:t>
+            </a:r>
+            <a:endParaRPr kumimoji="1" lang="en-US" altLang="ja-JP" dirty="0" smtClean="0"/>
+          </a:p>
+          <a:p>
+            <a:r>
+              <a:rPr lang="ja-JP" altLang="en-US" dirty="0"/>
+              <a:t>同一に見せたいとき</a:t>
+            </a:r>
+            <a:r>
+              <a:rPr lang="ja-JP" altLang="en-US" dirty="0" smtClean="0"/>
+              <a:t>は、共通のフォントを使用すればよい。</a:t>
+            </a:r>
+            <a:r>
+              <a:rPr lang="en-US" altLang="ja-JP" dirty="0"/>
+              <a:t/>
+            </a:r>
+            <a:br>
+              <a:rPr lang="en-US" altLang="ja-JP" dirty="0"/>
+            </a:br>
+            <a:r>
+              <a:rPr lang="ja-JP" altLang="en-US" dirty="0" smtClean="0"/>
+              <a:t>そのフォントは、</a:t>
+            </a:r>
+            <a:r>
+              <a:rPr lang="en-US" altLang="ja-JP" dirty="0" smtClean="0"/>
+              <a:t>WEB</a:t>
+            </a:r>
+            <a:r>
+              <a:rPr lang="ja-JP" altLang="en-US" dirty="0"/>
+              <a:t>上</a:t>
+            </a:r>
+            <a:r>
+              <a:rPr lang="ja-JP" altLang="en-US" dirty="0" smtClean="0"/>
+              <a:t>にあるフォントを使用することで解決できる。</a:t>
+            </a:r>
+            <a:endParaRPr lang="en-US" altLang="ja-JP" dirty="0" smtClean="0"/>
+          </a:p>
+          <a:p>
+            <a:r>
+              <a:rPr lang="ja-JP" altLang="en-US" dirty="0" smtClean="0"/>
+              <a:t>今回は、</a:t>
+            </a:r>
+            <a:r>
+              <a:rPr lang="en-US" altLang="ja-JP" dirty="0" smtClean="0"/>
+              <a:t>Google</a:t>
+            </a:r>
+            <a:r>
+              <a:rPr lang="ja-JP" altLang="en-US" dirty="0" smtClean="0"/>
+              <a:t> </a:t>
+            </a:r>
+            <a:r>
+              <a:rPr lang="en-US" altLang="ja-JP" dirty="0" smtClean="0"/>
+              <a:t>Fonts</a:t>
+            </a:r>
+            <a:r>
+              <a:rPr lang="ja-JP" altLang="en-US" dirty="0" smtClean="0"/>
+              <a:t>（無償）を使用する</a:t>
+            </a:r>
+            <a:endParaRPr lang="en-US" altLang="ja-JP" dirty="0" smtClean="0"/>
           </a:p>
         </p:txBody>
       </p:sp>

--- a/#8_0624/WEBデザイン1_評価課題.pptx
+++ b/#8_0624/WEBデザイン1_評価課題.pptx
@@ -7813,19 +7813,19 @@
               <a:t>年</a:t>
             </a:r>
             <a:r>
+              <a:rPr lang="ja-JP" altLang="en-US"/>
+              <a:t>＊</a:t>
+            </a:r>
+            <a:r>
+              <a:rPr kumimoji="1" lang="ja-JP" altLang="en-US" smtClean="0"/>
+              <a:t>月</a:t>
+            </a:r>
+            <a:r>
               <a:rPr lang="ja-JP" altLang="en-US" dirty="0"/>
-              <a:t>＊</a:t>
-            </a:r>
-            <a:r>
-              <a:rPr kumimoji="1" lang="ja-JP" altLang="en-US" dirty="0" smtClean="0"/>
-              <a:t>月</a:t>
-            </a:r>
-            <a:r>
-              <a:rPr lang="ja-JP" altLang="en-US" dirty="0"/>
-              <a:t>＊</a:t>
-            </a:r>
-            <a:r>
-              <a:rPr kumimoji="1" lang="ja-JP" altLang="en-US" dirty="0" smtClean="0"/>
+              <a:t>２</a:t>
+            </a:r>
+            <a:r>
+              <a:rPr kumimoji="1" lang="ja-JP" altLang="en-US" smtClean="0"/>
               <a:t>日</a:t>
             </a:r>
             <a:r>
@@ -10010,11 +10010,7 @@
             </a:br>
             <a:r>
               <a:rPr kumimoji="1" lang="ja-JP" altLang="en-US" dirty="0" smtClean="0"/>
-              <a:t>正確には、インストールされているフォントの種類が異なる</a:t>
-            </a:r>
-            <a:r>
-              <a:rPr kumimoji="1" lang="ja-JP" altLang="en-US" dirty="0" smtClean="0"/>
-              <a:t>。</a:t>
+              <a:t>正確には、インストールされているフォントの種類が異なる。</a:t>
             </a:r>
             <a:r>
               <a:rPr kumimoji="1" lang="en-US" altLang="ja-JP" dirty="0" smtClean="0"/>
